--- a/[FOSS4G-KR]PresentationTemplates-PowerPoint.pptx
+++ b/[FOSS4G-KR]PresentationTemplates-PowerPoint.pptx
@@ -5,16 +5,17 @@
     <p:sldMasterId id="2147483648" r:id="rId4"/>
   </p:sldMasterIdLst>
   <p:notesMasterIdLst>
-    <p:notesMasterId r:id="rId9"/>
+    <p:notesMasterId r:id="rId10"/>
   </p:notesMasterIdLst>
   <p:handoutMasterIdLst>
-    <p:handoutMasterId r:id="rId10"/>
+    <p:handoutMasterId r:id="rId11"/>
   </p:handoutMasterIdLst>
   <p:sldIdLst>
     <p:sldId id="293" r:id="rId5"/>
     <p:sldId id="745" r:id="rId6"/>
     <p:sldId id="846" r:id="rId7"/>
-    <p:sldId id="696" r:id="rId8"/>
+    <p:sldId id="847" r:id="rId8"/>
+    <p:sldId id="696" r:id="rId9"/>
   </p:sldIdLst>
   <p:sldSz cx="9144000" cy="6858000" type="screen4x3"/>
   <p:notesSz cx="6858000" cy="9144000"/>
@@ -174,7 +175,7 @@
           <p:cNvPr id="2" name="머리글 개체 틀 1">
             <a:extLst>
               <a:ext uri="{FF2B5EF4-FFF2-40B4-BE49-F238E27FC236}">
-                <a16:creationId xmlns:a16="http://schemas.microsoft.com/office/drawing/2014/main" xmlns="" id="{E6489A3D-141B-475B-898C-A805411F0D9C}"/>
+                <a16:creationId xmlns="" xmlns:a16="http://schemas.microsoft.com/office/drawing/2014/main" id="{E6489A3D-141B-475B-898C-A805411F0D9C}"/>
               </a:ext>
             </a:extLst>
           </p:cNvPr>
@@ -211,7 +212,7 @@
           <p:cNvPr id="3" name="날짜 개체 틀 2">
             <a:extLst>
               <a:ext uri="{FF2B5EF4-FFF2-40B4-BE49-F238E27FC236}">
-                <a16:creationId xmlns:a16="http://schemas.microsoft.com/office/drawing/2014/main" xmlns="" id="{669CFC47-234E-4870-9EA0-2E8DBBB608F0}"/>
+                <a16:creationId xmlns="" xmlns:a16="http://schemas.microsoft.com/office/drawing/2014/main" id="{669CFC47-234E-4870-9EA0-2E8DBBB608F0}"/>
               </a:ext>
             </a:extLst>
           </p:cNvPr>
@@ -252,7 +253,7 @@
           <p:cNvPr id="4" name="바닥글 개체 틀 3">
             <a:extLst>
               <a:ext uri="{FF2B5EF4-FFF2-40B4-BE49-F238E27FC236}">
-                <a16:creationId xmlns:a16="http://schemas.microsoft.com/office/drawing/2014/main" xmlns="" id="{C3787D8B-DCB6-403B-905E-2FA70DA9A546}"/>
+                <a16:creationId xmlns="" xmlns:a16="http://schemas.microsoft.com/office/drawing/2014/main" id="{C3787D8B-DCB6-403B-905E-2FA70DA9A546}"/>
               </a:ext>
             </a:extLst>
           </p:cNvPr>
@@ -289,7 +290,7 @@
           <p:cNvPr id="5" name="슬라이드 번호 개체 틀 4">
             <a:extLst>
               <a:ext uri="{FF2B5EF4-FFF2-40B4-BE49-F238E27FC236}">
-                <a16:creationId xmlns:a16="http://schemas.microsoft.com/office/drawing/2014/main" xmlns="" id="{0BD443BE-C5D7-4FB3-B00D-53E217E0A6D8}"/>
+                <a16:creationId xmlns="" xmlns:a16="http://schemas.microsoft.com/office/drawing/2014/main" id="{0BD443BE-C5D7-4FB3-B00D-53E217E0A6D8}"/>
               </a:ext>
             </a:extLst>
           </p:cNvPr>
@@ -826,7 +827,7 @@
           <p:cNvPr id="9" name="Text Box 18">
             <a:extLst>
               <a:ext uri="{FF2B5EF4-FFF2-40B4-BE49-F238E27FC236}">
-                <a16:creationId xmlns:a16="http://schemas.microsoft.com/office/drawing/2014/main" xmlns="" id="{D29E8C25-4F62-4CEA-ADA2-5BAEF11E9175}"/>
+                <a16:creationId xmlns="" xmlns:a16="http://schemas.microsoft.com/office/drawing/2014/main" id="{D29E8C25-4F62-4CEA-ADA2-5BAEF11E9175}"/>
               </a:ext>
             </a:extLst>
           </p:cNvPr>
@@ -893,7 +894,7 @@
           <p:cNvPr id="13" name="TextBox 12">
             <a:extLst>
               <a:ext uri="{FF2B5EF4-FFF2-40B4-BE49-F238E27FC236}">
-                <a16:creationId xmlns:a16="http://schemas.microsoft.com/office/drawing/2014/main" xmlns="" id="{D99D51D2-3497-40C5-96AC-16FD4268E501}"/>
+                <a16:creationId xmlns="" xmlns:a16="http://schemas.microsoft.com/office/drawing/2014/main" id="{D99D51D2-3497-40C5-96AC-16FD4268E501}"/>
               </a:ext>
             </a:extLst>
           </p:cNvPr>
@@ -946,7 +947,7 @@
           <p:cNvPr id="14" name="그림 13">
             <a:extLst>
               <a:ext uri="{FF2B5EF4-FFF2-40B4-BE49-F238E27FC236}">
-                <a16:creationId xmlns:a16="http://schemas.microsoft.com/office/drawing/2014/main" xmlns="" id="{72BB8B8C-F86B-401F-9EDF-0A0C6923328E}"/>
+                <a16:creationId xmlns="" xmlns:a16="http://schemas.microsoft.com/office/drawing/2014/main" id="{72BB8B8C-F86B-401F-9EDF-0A0C6923328E}"/>
               </a:ext>
             </a:extLst>
           </p:cNvPr>
@@ -1281,7 +1282,7 @@
           <p:cNvPr id="6" name="그림 5">
             <a:extLst>
               <a:ext uri="{FF2B5EF4-FFF2-40B4-BE49-F238E27FC236}">
-                <a16:creationId xmlns:a16="http://schemas.microsoft.com/office/drawing/2014/main" xmlns="" id="{D7FA8F37-0F81-4806-9D4A-7C1D69085CFF}"/>
+                <a16:creationId xmlns="" xmlns:a16="http://schemas.microsoft.com/office/drawing/2014/main" id="{D7FA8F37-0F81-4806-9D4A-7C1D69085CFF}"/>
               </a:ext>
             </a:extLst>
           </p:cNvPr>
@@ -2002,7 +2003,7 @@
           <p:cNvPr id="8" name="TextBox 7">
             <a:extLst>
               <a:ext uri="{FF2B5EF4-FFF2-40B4-BE49-F238E27FC236}">
-                <a16:creationId xmlns:a16="http://schemas.microsoft.com/office/drawing/2014/main" xmlns="" id="{855E0FBE-F0C4-4361-BD81-7395F946728C}"/>
+                <a16:creationId xmlns="" xmlns:a16="http://schemas.microsoft.com/office/drawing/2014/main" id="{855E0FBE-F0C4-4361-BD81-7395F946728C}"/>
               </a:ext>
             </a:extLst>
           </p:cNvPr>
@@ -2111,7 +2112,7 @@
           <p:cNvPr id="1026" name="Picture 2" descr="Logo">
             <a:extLst>
               <a:ext uri="{FF2B5EF4-FFF2-40B4-BE49-F238E27FC236}">
-                <a16:creationId xmlns:a16="http://schemas.microsoft.com/office/drawing/2014/main" xmlns="" id="{C51D822E-7551-435A-BBED-1F9EFFBCE83B}"/>
+                <a16:creationId xmlns="" xmlns:a16="http://schemas.microsoft.com/office/drawing/2014/main" id="{C51D822E-7551-435A-BBED-1F9EFFBCE83B}"/>
               </a:ext>
             </a:extLst>
           </p:cNvPr>
@@ -2158,7 +2159,7 @@
           <p:cNvPr id="5" name="그림 4">
             <a:extLst>
               <a:ext uri="{FF2B5EF4-FFF2-40B4-BE49-F238E27FC236}">
-                <a16:creationId xmlns:a16="http://schemas.microsoft.com/office/drawing/2014/main" xmlns="" id="{7E4F00CD-9A36-4D12-9FE4-603AEB37FC12}"/>
+                <a16:creationId xmlns="" xmlns:a16="http://schemas.microsoft.com/office/drawing/2014/main" id="{7E4F00CD-9A36-4D12-9FE4-603AEB37FC12}"/>
               </a:ext>
             </a:extLst>
           </p:cNvPr>
@@ -2218,7 +2219,7 @@
           <p:cNvPr id="2" name="제목 1">
             <a:extLst>
               <a:ext uri="{FF2B5EF4-FFF2-40B4-BE49-F238E27FC236}">
-                <a16:creationId xmlns:a16="http://schemas.microsoft.com/office/drawing/2014/main" xmlns="" id="{CB5E7932-E493-44FF-9C72-1DB482AE502C}"/>
+                <a16:creationId xmlns="" xmlns:a16="http://schemas.microsoft.com/office/drawing/2014/main" id="{CB5E7932-E493-44FF-9C72-1DB482AE502C}"/>
               </a:ext>
             </a:extLst>
           </p:cNvPr>
@@ -2246,7 +2247,7 @@
           <p:cNvPr id="3" name="내용 개체 틀 2">
             <a:extLst>
               <a:ext uri="{FF2B5EF4-FFF2-40B4-BE49-F238E27FC236}">
-                <a16:creationId xmlns:a16="http://schemas.microsoft.com/office/drawing/2014/main" xmlns="" id="{97053F1A-CBC1-4127-9B82-F32A936A6F38}"/>
+                <a16:creationId xmlns="" xmlns:a16="http://schemas.microsoft.com/office/drawing/2014/main" id="{97053F1A-CBC1-4127-9B82-F32A936A6F38}"/>
               </a:ext>
             </a:extLst>
           </p:cNvPr>
@@ -2515,7 +2516,7 @@
           <p:cNvPr id="2" name="제목 1">
             <a:extLst>
               <a:ext uri="{FF2B5EF4-FFF2-40B4-BE49-F238E27FC236}">
-                <a16:creationId xmlns:a16="http://schemas.microsoft.com/office/drawing/2014/main" xmlns="" id="{282239CF-1611-4910-A62C-EF4661590E28}"/>
+                <a16:creationId xmlns="" xmlns:a16="http://schemas.microsoft.com/office/drawing/2014/main" id="{282239CF-1611-4910-A62C-EF4661590E28}"/>
               </a:ext>
             </a:extLst>
           </p:cNvPr>
@@ -2540,7 +2541,7 @@
           <p:cNvPr id="3" name="내용 개체 틀 2">
             <a:extLst>
               <a:ext uri="{FF2B5EF4-FFF2-40B4-BE49-F238E27FC236}">
-                <a16:creationId xmlns:a16="http://schemas.microsoft.com/office/drawing/2014/main" xmlns="" id="{56232D74-8E1D-49ED-8013-7286F14BBFD7}"/>
+                <a16:creationId xmlns="" xmlns:a16="http://schemas.microsoft.com/office/drawing/2014/main" id="{56232D74-8E1D-49ED-8013-7286F14BBFD7}"/>
               </a:ext>
             </a:extLst>
           </p:cNvPr>
@@ -2574,6 +2575,86 @@
 </file>
 
 <file path=ppt/slides/slide4.xml><?xml version="1.0" encoding="utf-8"?>
+<p:sld xmlns:a="http://schemas.openxmlformats.org/drawingml/2006/main" xmlns:r="http://schemas.openxmlformats.org/officeDocument/2006/relationships" xmlns:p="http://schemas.openxmlformats.org/presentationml/2006/main">
+  <p:cSld>
+    <p:spTree>
+      <p:nvGrpSpPr>
+        <p:cNvPr id="1" name=""/>
+        <p:cNvGrpSpPr/>
+        <p:nvPr/>
+      </p:nvGrpSpPr>
+      <p:grpSpPr>
+        <a:xfrm>
+          <a:off x="0" y="0"/>
+          <a:ext cx="0" cy="0"/>
+          <a:chOff x="0" y="0"/>
+          <a:chExt cx="0" cy="0"/>
+        </a:xfrm>
+      </p:grpSpPr>
+      <p:sp>
+        <p:nvSpPr>
+          <p:cNvPr id="2" name="제목 1">
+            <a:extLst>
+              <a:ext uri="{FF2B5EF4-FFF2-40B4-BE49-F238E27FC236}">
+                <a16:creationId xmlns="" xmlns:a16="http://schemas.microsoft.com/office/drawing/2014/main" id="{282239CF-1611-4910-A62C-EF4661590E28}"/>
+              </a:ext>
+            </a:extLst>
+          </p:cNvPr>
+          <p:cNvSpPr>
+            <a:spLocks noGrp="1"/>
+          </p:cNvSpPr>
+          <p:nvPr>
+            <p:ph type="title"/>
+          </p:nvPr>
+        </p:nvSpPr>
+        <p:spPr/>
+        <p:txBody>
+          <a:bodyPr/>
+          <a:lstStyle/>
+          <a:p>
+            <a:endParaRPr lang="ko-KR" altLang="en-US"/>
+          </a:p>
+        </p:txBody>
+      </p:sp>
+      <p:sp>
+        <p:nvSpPr>
+          <p:cNvPr id="3" name="내용 개체 틀 2">
+            <a:extLst>
+              <a:ext uri="{FF2B5EF4-FFF2-40B4-BE49-F238E27FC236}">
+                <a16:creationId xmlns="" xmlns:a16="http://schemas.microsoft.com/office/drawing/2014/main" id="{56232D74-8E1D-49ED-8013-7286F14BBFD7}"/>
+              </a:ext>
+            </a:extLst>
+          </p:cNvPr>
+          <p:cNvSpPr>
+            <a:spLocks noGrp="1"/>
+          </p:cNvSpPr>
+          <p:nvPr>
+            <p:ph idx="1"/>
+          </p:nvPr>
+        </p:nvSpPr>
+        <p:spPr/>
+        <p:txBody>
+          <a:bodyPr/>
+          <a:lstStyle/>
+          <a:p>
+            <a:endParaRPr lang="ko-KR" altLang="en-US"/>
+          </a:p>
+        </p:txBody>
+      </p:sp>
+    </p:spTree>
+    <p:extLst>
+      <p:ext uri="{BB962C8B-B14F-4D97-AF65-F5344CB8AC3E}">
+        <p14:creationId xmlns:p14="http://schemas.microsoft.com/office/powerpoint/2010/main" val="1123108365"/>
+      </p:ext>
+    </p:extLst>
+  </p:cSld>
+  <p:clrMapOvr>
+    <a:masterClrMapping/>
+  </p:clrMapOvr>
+</p:sld>
+</file>
+
+<file path=ppt/slides/slide5.xml><?xml version="1.0" encoding="utf-8"?>
 <p:sld xmlns:a="http://schemas.openxmlformats.org/drawingml/2006/main" xmlns:r="http://schemas.openxmlformats.org/officeDocument/2006/relationships" xmlns:p="http://schemas.openxmlformats.org/presentationml/2006/main">
   <p:cSld>
     <p:spTree>
@@ -3460,21 +3541,6 @@
 </file>
 
 <file path=customXml/item1.xml><?xml version="1.0" encoding="utf-8"?>
-<?mso-contentType ?>
-<FormTemplates xmlns="http://schemas.microsoft.com/sharepoint/v3/contenttype/forms">
-  <Display>DocumentLibraryForm</Display>
-  <Edit>DocumentLibraryForm</Edit>
-  <New>DocumentLibraryForm</New>
-</FormTemplates>
-</file>
-
-<file path=customXml/item2.xml><?xml version="1.0" encoding="utf-8"?>
-<p:properties xmlns:p="http://schemas.microsoft.com/office/2006/metadata/properties" xmlns:xsi="http://www.w3.org/2001/XMLSchema-instance" xmlns:pc="http://schemas.microsoft.com/office/infopath/2007/PartnerControls">
-  <documentManagement/>
-</p:properties>
-</file>
-
-<file path=customXml/item3.xml><?xml version="1.0" encoding="utf-8"?>
 <ct:contentTypeSchema xmlns:ct="http://schemas.microsoft.com/office/2006/metadata/contentType" xmlns:ma="http://schemas.microsoft.com/office/2006/metadata/properties/metaAttributes" ct:_="" ma:_="" ma:contentTypeName="문서" ma:contentTypeID="0x010100609E7063550E63498DE25F4FC380C668" ma:contentTypeVersion="12" ma:contentTypeDescription="새 문서를 만듭니다." ma:contentTypeScope="" ma:versionID="5c12521331536e60a6d983af19bd5500">
   <xsd:schema xmlns:xsd="http://www.w3.org/2001/XMLSchema" xmlns:xs="http://www.w3.org/2001/XMLSchema" xmlns:p="http://schemas.microsoft.com/office/2006/metadata/properties" xmlns:ns2="fb6be0e2-208d-4e1e-bcc9-5e9e1ab86b0f" xmlns:ns3="5948ad1c-34ec-44f2-ac86-3350b721c6a0" targetNamespace="http://schemas.microsoft.com/office/2006/metadata/properties" ma:root="true" ma:fieldsID="21923e236aae25281dd0a6b08dfa0554" ns2:_="" ns3:_="">
     <xsd:import namespace="fb6be0e2-208d-4e1e-bcc9-5e9e1ab86b0f"/>
@@ -3691,24 +3757,22 @@
 </ct:contentTypeSchema>
 </file>
 
-<file path=customXml/itemProps1.xml><?xml version="1.0" encoding="utf-8"?>
-<ds:datastoreItem xmlns:ds="http://schemas.openxmlformats.org/officeDocument/2006/customXml" ds:itemID="{6AF3AF52-D25E-4EA5-9491-9A2D871512CC}">
-  <ds:schemaRefs>
-    <ds:schemaRef ds:uri="http://schemas.microsoft.com/sharepoint/v3/contenttype/forms"/>
-  </ds:schemaRefs>
-</ds:datastoreItem>
+<file path=customXml/item2.xml><?xml version="1.0" encoding="utf-8"?>
+<p:properties xmlns:p="http://schemas.microsoft.com/office/2006/metadata/properties" xmlns:xsi="http://www.w3.org/2001/XMLSchema-instance" xmlns:pc="http://schemas.microsoft.com/office/infopath/2007/PartnerControls">
+  <documentManagement/>
+</p:properties>
 </file>
 
-<file path=customXml/itemProps2.xml><?xml version="1.0" encoding="utf-8"?>
-<ds:datastoreItem xmlns:ds="http://schemas.openxmlformats.org/officeDocument/2006/customXml" ds:itemID="{DF9A46DB-CDD2-427F-82A4-9EA2FD9A31BA}">
-  <ds:schemaRefs>
-    <ds:schemaRef ds:uri="http://schemas.microsoft.com/office/2006/metadata/properties"/>
-    <ds:schemaRef ds:uri="http://schemas.microsoft.com/office/infopath/2007/PartnerControls"/>
-  </ds:schemaRefs>
-</ds:datastoreItem>
+<file path=customXml/item3.xml><?xml version="1.0" encoding="utf-8"?>
+<?mso-contentType ?>
+<FormTemplates xmlns="http://schemas.microsoft.com/sharepoint/v3/contenttype/forms">
+  <Display>DocumentLibraryForm</Display>
+  <Edit>DocumentLibraryForm</Edit>
+  <New>DocumentLibraryForm</New>
+</FormTemplates>
 </file>
 
-<file path=customXml/itemProps3.xml><?xml version="1.0" encoding="utf-8"?>
+<file path=customXml/itemProps1.xml><?xml version="1.0" encoding="utf-8"?>
 <ds:datastoreItem xmlns:ds="http://schemas.openxmlformats.org/officeDocument/2006/customXml" ds:itemID="{A3442378-F42D-4FE1-871B-90DC6571C6CB}">
   <ds:schemaRefs>
     <ds:schemaRef ds:uri="http://schemas.microsoft.com/office/2006/metadata/contentType"/>
@@ -3725,4 +3789,21 @@
     <ds:schemaRef ds:uri="http://schemas.microsoft.com/internal/obd"/>
   </ds:schemaRefs>
 </ds:datastoreItem>
+</file>
+
+<file path=customXml/itemProps2.xml><?xml version="1.0" encoding="utf-8"?>
+<ds:datastoreItem xmlns:ds="http://schemas.openxmlformats.org/officeDocument/2006/customXml" ds:itemID="{DF9A46DB-CDD2-427F-82A4-9EA2FD9A31BA}">
+  <ds:schemaRefs>
+    <ds:schemaRef ds:uri="http://schemas.microsoft.com/office/2006/metadata/properties"/>
+    <ds:schemaRef ds:uri="http://schemas.microsoft.com/office/infopath/2007/PartnerControls"/>
+  </ds:schemaRefs>
+</ds:datastoreItem>
+</file>
+
+<file path=customXml/itemProps3.xml><?xml version="1.0" encoding="utf-8"?>
+<ds:datastoreItem xmlns:ds="http://schemas.openxmlformats.org/officeDocument/2006/customXml" ds:itemID="{6AF3AF52-D25E-4EA5-9491-9A2D871512CC}">
+  <ds:schemaRefs>
+    <ds:schemaRef ds:uri="http://schemas.microsoft.com/sharepoint/v3/contenttype/forms"/>
+  </ds:schemaRefs>
+</ds:datastoreItem>
 </file>